--- a/assets/Circuits Demo.pptx
+++ b/assets/Circuits Demo.pptx
@@ -4,8 +4,15 @@
   <p:sldMasterIdLst>
     <p:sldMasterId id="2147483660" r:id="rId1"/>
   </p:sldMasterIdLst>
+  <p:notesMasterIdLst>
+    <p:notesMasterId r:id="rId7"/>
+  </p:notesMasterIdLst>
   <p:sldIdLst>
     <p:sldId id="256" r:id="rId2"/>
+    <p:sldId id="257" r:id="rId3"/>
+    <p:sldId id="258" r:id="rId4"/>
+    <p:sldId id="259" r:id="rId5"/>
+    <p:sldId id="260" r:id="rId6"/>
   </p:sldIdLst>
   <p:sldSz cx="9144000" cy="6858000" type="screen4x3"/>
   <p:notesSz cx="6858000" cy="9144000"/>
@@ -104,7 +111,848 @@
       </a:defRPr>
     </a:lvl9pPr>
   </p:defaultTextStyle>
+  <p:extLst>
+    <p:ext uri="{EFAFB233-063F-42B5-8137-9DF3F51BA10A}">
+      <p15:sldGuideLst xmlns:p15="http://schemas.microsoft.com/office/powerpoint/2012/main"/>
+    </p:ext>
+  </p:extLst>
 </p:presentation>
+</file>
+
+<file path=ppt/notesMasters/notesMaster1.xml><?xml version="1.0" encoding="utf-8"?>
+<p:notesMaster xmlns:a="http://schemas.openxmlformats.org/drawingml/2006/main" xmlns:r="http://schemas.openxmlformats.org/officeDocument/2006/relationships" xmlns:p="http://schemas.openxmlformats.org/presentationml/2006/main">
+  <p:cSld>
+    <p:bg>
+      <p:bgRef idx="1001">
+        <a:schemeClr val="bg1"/>
+      </p:bgRef>
+    </p:bg>
+    <p:spTree>
+      <p:nvGrpSpPr>
+        <p:cNvPr id="1" name=""/>
+        <p:cNvGrpSpPr/>
+        <p:nvPr/>
+      </p:nvGrpSpPr>
+      <p:grpSpPr>
+        <a:xfrm>
+          <a:off x="0" y="0"/>
+          <a:ext cx="0" cy="0"/>
+          <a:chOff x="0" y="0"/>
+          <a:chExt cx="0" cy="0"/>
+        </a:xfrm>
+      </p:grpSpPr>
+      <p:sp>
+        <p:nvSpPr>
+          <p:cNvPr id="2" name="Header Placeholder 1"/>
+          <p:cNvSpPr>
+            <a:spLocks noGrp="1"/>
+          </p:cNvSpPr>
+          <p:nvPr>
+            <p:ph type="hdr" sz="quarter"/>
+          </p:nvPr>
+        </p:nvSpPr>
+        <p:spPr>
+          <a:xfrm>
+            <a:off x="0" y="0"/>
+            <a:ext cx="2971800" cy="458788"/>
+          </a:xfrm>
+          <a:prstGeom prst="rect">
+            <a:avLst/>
+          </a:prstGeom>
+        </p:spPr>
+        <p:txBody>
+          <a:bodyPr vert="horz" lIns="91440" tIns="45720" rIns="91440" bIns="45720" rtlCol="0"/>
+          <a:lstStyle>
+            <a:lvl1pPr algn="l">
+              <a:defRPr sz="1200"/>
+            </a:lvl1pPr>
+          </a:lstStyle>
+          <a:p>
+            <a:endParaRPr lang="en-US"/>
+          </a:p>
+        </p:txBody>
+      </p:sp>
+      <p:sp>
+        <p:nvSpPr>
+          <p:cNvPr id="3" name="Date Placeholder 2"/>
+          <p:cNvSpPr>
+            <a:spLocks noGrp="1"/>
+          </p:cNvSpPr>
+          <p:nvPr>
+            <p:ph type="dt" idx="1"/>
+          </p:nvPr>
+        </p:nvSpPr>
+        <p:spPr>
+          <a:xfrm>
+            <a:off x="3884613" y="0"/>
+            <a:ext cx="2971800" cy="458788"/>
+          </a:xfrm>
+          <a:prstGeom prst="rect">
+            <a:avLst/>
+          </a:prstGeom>
+        </p:spPr>
+        <p:txBody>
+          <a:bodyPr vert="horz" lIns="91440" tIns="45720" rIns="91440" bIns="45720" rtlCol="0"/>
+          <a:lstStyle>
+            <a:lvl1pPr algn="r">
+              <a:defRPr sz="1200"/>
+            </a:lvl1pPr>
+          </a:lstStyle>
+          <a:p>
+            <a:fld id="{20D90F57-985D-465C-A8E1-6E7F9B3EF34C}" type="datetimeFigureOut">
+              <a:rPr lang="en-US" smtClean="0"/>
+              <a:t>5/8/2019</a:t>
+            </a:fld>
+            <a:endParaRPr lang="en-US"/>
+          </a:p>
+        </p:txBody>
+      </p:sp>
+      <p:sp>
+        <p:nvSpPr>
+          <p:cNvPr id="4" name="Slide Image Placeholder 3"/>
+          <p:cNvSpPr>
+            <a:spLocks noGrp="1" noRot="1" noChangeAspect="1"/>
+          </p:cNvSpPr>
+          <p:nvPr>
+            <p:ph type="sldImg" idx="2"/>
+          </p:nvPr>
+        </p:nvSpPr>
+        <p:spPr>
+          <a:xfrm>
+            <a:off x="1371600" y="1143000"/>
+            <a:ext cx="4114800" cy="3086100"/>
+          </a:xfrm>
+          <a:prstGeom prst="rect">
+            <a:avLst/>
+          </a:prstGeom>
+          <a:noFill/>
+          <a:ln w="12700">
+            <a:solidFill>
+              <a:prstClr val="black"/>
+            </a:solidFill>
+          </a:ln>
+        </p:spPr>
+        <p:txBody>
+          <a:bodyPr vert="horz" lIns="91440" tIns="45720" rIns="91440" bIns="45720" rtlCol="0" anchor="ctr"/>
+          <a:lstStyle/>
+          <a:p>
+            <a:endParaRPr lang="en-US"/>
+          </a:p>
+        </p:txBody>
+      </p:sp>
+      <p:sp>
+        <p:nvSpPr>
+          <p:cNvPr id="5" name="Notes Placeholder 4"/>
+          <p:cNvSpPr>
+            <a:spLocks noGrp="1"/>
+          </p:cNvSpPr>
+          <p:nvPr>
+            <p:ph type="body" sz="quarter" idx="3"/>
+          </p:nvPr>
+        </p:nvSpPr>
+        <p:spPr>
+          <a:xfrm>
+            <a:off x="685800" y="4400550"/>
+            <a:ext cx="5486400" cy="3600450"/>
+          </a:xfrm>
+          <a:prstGeom prst="rect">
+            <a:avLst/>
+          </a:prstGeom>
+        </p:spPr>
+        <p:txBody>
+          <a:bodyPr vert="horz" lIns="91440" tIns="45720" rIns="91440" bIns="45720" rtlCol="0"/>
+          <a:lstStyle/>
+          <a:p>
+            <a:pPr lvl="0"/>
+            <a:r>
+              <a:rPr lang="en-US" smtClean="0"/>
+              <a:t>Edit Master text styles</a:t>
+            </a:r>
+          </a:p>
+          <a:p>
+            <a:pPr lvl="1"/>
+            <a:r>
+              <a:rPr lang="en-US" smtClean="0"/>
+              <a:t>Second level</a:t>
+            </a:r>
+          </a:p>
+          <a:p>
+            <a:pPr lvl="2"/>
+            <a:r>
+              <a:rPr lang="en-US" smtClean="0"/>
+              <a:t>Third level</a:t>
+            </a:r>
+          </a:p>
+          <a:p>
+            <a:pPr lvl="3"/>
+            <a:r>
+              <a:rPr lang="en-US" smtClean="0"/>
+              <a:t>Fourth level</a:t>
+            </a:r>
+          </a:p>
+          <a:p>
+            <a:pPr lvl="4"/>
+            <a:r>
+              <a:rPr lang="en-US" smtClean="0"/>
+              <a:t>Fifth level</a:t>
+            </a:r>
+            <a:endParaRPr lang="en-US"/>
+          </a:p>
+        </p:txBody>
+      </p:sp>
+      <p:sp>
+        <p:nvSpPr>
+          <p:cNvPr id="6" name="Footer Placeholder 5"/>
+          <p:cNvSpPr>
+            <a:spLocks noGrp="1"/>
+          </p:cNvSpPr>
+          <p:nvPr>
+            <p:ph type="ftr" sz="quarter" idx="4"/>
+          </p:nvPr>
+        </p:nvSpPr>
+        <p:spPr>
+          <a:xfrm>
+            <a:off x="0" y="8685213"/>
+            <a:ext cx="2971800" cy="458787"/>
+          </a:xfrm>
+          <a:prstGeom prst="rect">
+            <a:avLst/>
+          </a:prstGeom>
+        </p:spPr>
+        <p:txBody>
+          <a:bodyPr vert="horz" lIns="91440" tIns="45720" rIns="91440" bIns="45720" rtlCol="0" anchor="b"/>
+          <a:lstStyle>
+            <a:lvl1pPr algn="l">
+              <a:defRPr sz="1200"/>
+            </a:lvl1pPr>
+          </a:lstStyle>
+          <a:p>
+            <a:endParaRPr lang="en-US"/>
+          </a:p>
+        </p:txBody>
+      </p:sp>
+      <p:sp>
+        <p:nvSpPr>
+          <p:cNvPr id="7" name="Slide Number Placeholder 6"/>
+          <p:cNvSpPr>
+            <a:spLocks noGrp="1"/>
+          </p:cNvSpPr>
+          <p:nvPr>
+            <p:ph type="sldNum" sz="quarter" idx="5"/>
+          </p:nvPr>
+        </p:nvSpPr>
+        <p:spPr>
+          <a:xfrm>
+            <a:off x="3884613" y="8685213"/>
+            <a:ext cx="2971800" cy="458787"/>
+          </a:xfrm>
+          <a:prstGeom prst="rect">
+            <a:avLst/>
+          </a:prstGeom>
+        </p:spPr>
+        <p:txBody>
+          <a:bodyPr vert="horz" lIns="91440" tIns="45720" rIns="91440" bIns="45720" rtlCol="0" anchor="b"/>
+          <a:lstStyle>
+            <a:lvl1pPr algn="r">
+              <a:defRPr sz="1200"/>
+            </a:lvl1pPr>
+          </a:lstStyle>
+          <a:p>
+            <a:fld id="{EF4EC9F9-25F7-462C-95D3-C01E5089002D}" type="slidenum">
+              <a:rPr lang="en-US" smtClean="0"/>
+              <a:t>‹#›</a:t>
+            </a:fld>
+            <a:endParaRPr lang="en-US"/>
+          </a:p>
+        </p:txBody>
+      </p:sp>
+    </p:spTree>
+    <p:extLst>
+      <p:ext uri="{BB962C8B-B14F-4D97-AF65-F5344CB8AC3E}">
+        <p14:creationId xmlns:p14="http://schemas.microsoft.com/office/powerpoint/2010/main" val="1607907847"/>
+      </p:ext>
+    </p:extLst>
+  </p:cSld>
+  <p:clrMap bg1="lt1" tx1="dk1" bg2="lt2" tx2="dk2" accent1="accent1" accent2="accent2" accent3="accent3" accent4="accent4" accent5="accent5" accent6="accent6" hlink="hlink" folHlink="folHlink"/>
+  <p:notesStyle>
+    <a:lvl1pPr marL="0" algn="l" defTabSz="914400" rtl="0" eaLnBrk="1" latinLnBrk="0" hangingPunct="1">
+      <a:defRPr sz="1200" kern="1200">
+        <a:solidFill>
+          <a:schemeClr val="tx1"/>
+        </a:solidFill>
+        <a:latin typeface="+mn-lt"/>
+        <a:ea typeface="+mn-ea"/>
+        <a:cs typeface="+mn-cs"/>
+      </a:defRPr>
+    </a:lvl1pPr>
+    <a:lvl2pPr marL="457200" algn="l" defTabSz="914400" rtl="0" eaLnBrk="1" latinLnBrk="0" hangingPunct="1">
+      <a:defRPr sz="1200" kern="1200">
+        <a:solidFill>
+          <a:schemeClr val="tx1"/>
+        </a:solidFill>
+        <a:latin typeface="+mn-lt"/>
+        <a:ea typeface="+mn-ea"/>
+        <a:cs typeface="+mn-cs"/>
+      </a:defRPr>
+    </a:lvl2pPr>
+    <a:lvl3pPr marL="914400" algn="l" defTabSz="914400" rtl="0" eaLnBrk="1" latinLnBrk="0" hangingPunct="1">
+      <a:defRPr sz="1200" kern="1200">
+        <a:solidFill>
+          <a:schemeClr val="tx1"/>
+        </a:solidFill>
+        <a:latin typeface="+mn-lt"/>
+        <a:ea typeface="+mn-ea"/>
+        <a:cs typeface="+mn-cs"/>
+      </a:defRPr>
+    </a:lvl3pPr>
+    <a:lvl4pPr marL="1371600" algn="l" defTabSz="914400" rtl="0" eaLnBrk="1" latinLnBrk="0" hangingPunct="1">
+      <a:defRPr sz="1200" kern="1200">
+        <a:solidFill>
+          <a:schemeClr val="tx1"/>
+        </a:solidFill>
+        <a:latin typeface="+mn-lt"/>
+        <a:ea typeface="+mn-ea"/>
+        <a:cs typeface="+mn-cs"/>
+      </a:defRPr>
+    </a:lvl4pPr>
+    <a:lvl5pPr marL="1828800" algn="l" defTabSz="914400" rtl="0" eaLnBrk="1" latinLnBrk="0" hangingPunct="1">
+      <a:defRPr sz="1200" kern="1200">
+        <a:solidFill>
+          <a:schemeClr val="tx1"/>
+        </a:solidFill>
+        <a:latin typeface="+mn-lt"/>
+        <a:ea typeface="+mn-ea"/>
+        <a:cs typeface="+mn-cs"/>
+      </a:defRPr>
+    </a:lvl5pPr>
+    <a:lvl6pPr marL="2286000" algn="l" defTabSz="914400" rtl="0" eaLnBrk="1" latinLnBrk="0" hangingPunct="1">
+      <a:defRPr sz="1200" kern="1200">
+        <a:solidFill>
+          <a:schemeClr val="tx1"/>
+        </a:solidFill>
+        <a:latin typeface="+mn-lt"/>
+        <a:ea typeface="+mn-ea"/>
+        <a:cs typeface="+mn-cs"/>
+      </a:defRPr>
+    </a:lvl6pPr>
+    <a:lvl7pPr marL="2743200" algn="l" defTabSz="914400" rtl="0" eaLnBrk="1" latinLnBrk="0" hangingPunct="1">
+      <a:defRPr sz="1200" kern="1200">
+        <a:solidFill>
+          <a:schemeClr val="tx1"/>
+        </a:solidFill>
+        <a:latin typeface="+mn-lt"/>
+        <a:ea typeface="+mn-ea"/>
+        <a:cs typeface="+mn-cs"/>
+      </a:defRPr>
+    </a:lvl7pPr>
+    <a:lvl8pPr marL="3200400" algn="l" defTabSz="914400" rtl="0" eaLnBrk="1" latinLnBrk="0" hangingPunct="1">
+      <a:defRPr sz="1200" kern="1200">
+        <a:solidFill>
+          <a:schemeClr val="tx1"/>
+        </a:solidFill>
+        <a:latin typeface="+mn-lt"/>
+        <a:ea typeface="+mn-ea"/>
+        <a:cs typeface="+mn-cs"/>
+      </a:defRPr>
+    </a:lvl8pPr>
+    <a:lvl9pPr marL="3657600" algn="l" defTabSz="914400" rtl="0" eaLnBrk="1" latinLnBrk="0" hangingPunct="1">
+      <a:defRPr sz="1200" kern="1200">
+        <a:solidFill>
+          <a:schemeClr val="tx1"/>
+        </a:solidFill>
+        <a:latin typeface="+mn-lt"/>
+        <a:ea typeface="+mn-ea"/>
+        <a:cs typeface="+mn-cs"/>
+      </a:defRPr>
+    </a:lvl9pPr>
+  </p:notesStyle>
+</p:notesMaster>
+</file>
+
+<file path=ppt/notesSlides/notesSlide1.xml><?xml version="1.0" encoding="utf-8"?>
+<p:notes xmlns:a="http://schemas.openxmlformats.org/drawingml/2006/main" xmlns:r="http://schemas.openxmlformats.org/officeDocument/2006/relationships" xmlns:p="http://schemas.openxmlformats.org/presentationml/2006/main">
+  <p:cSld>
+    <p:spTree>
+      <p:nvGrpSpPr>
+        <p:cNvPr id="1" name=""/>
+        <p:cNvGrpSpPr/>
+        <p:nvPr/>
+      </p:nvGrpSpPr>
+      <p:grpSpPr>
+        <a:xfrm>
+          <a:off x="0" y="0"/>
+          <a:ext cx="0" cy="0"/>
+          <a:chOff x="0" y="0"/>
+          <a:chExt cx="0" cy="0"/>
+        </a:xfrm>
+      </p:grpSpPr>
+      <p:sp>
+        <p:nvSpPr>
+          <p:cNvPr id="2" name="Slide Image Placeholder 1"/>
+          <p:cNvSpPr>
+            <a:spLocks noGrp="1" noRot="1" noChangeAspect="1"/>
+          </p:cNvSpPr>
+          <p:nvPr>
+            <p:ph type="sldImg"/>
+          </p:nvPr>
+        </p:nvSpPr>
+        <p:spPr/>
+      </p:sp>
+      <p:sp>
+        <p:nvSpPr>
+          <p:cNvPr id="3" name="Notes Placeholder 2"/>
+          <p:cNvSpPr>
+            <a:spLocks noGrp="1"/>
+          </p:cNvSpPr>
+          <p:nvPr>
+            <p:ph type="body" idx="1"/>
+          </p:nvPr>
+        </p:nvSpPr>
+        <p:spPr/>
+        <p:txBody>
+          <a:bodyPr/>
+          <a:lstStyle/>
+          <a:p>
+            <a:pPr marL="0" marR="0" lvl="0" indent="0" algn="l" defTabSz="914400" rtl="0" eaLnBrk="1" fontAlgn="auto" latinLnBrk="0" hangingPunct="1">
+              <a:lnSpc>
+                <a:spcPct val="100000"/>
+              </a:lnSpc>
+              <a:spcBef>
+                <a:spcPts val="0"/>
+              </a:spcBef>
+              <a:spcAft>
+                <a:spcPts val="0"/>
+              </a:spcAft>
+              <a:buClrTx/>
+              <a:buSzTx/>
+              <a:buFontTx/>
+              <a:buNone/>
+              <a:tabLst/>
+              <a:defRPr/>
+            </a:pPr>
+            <a:r>
+              <a:rPr lang="en-US" dirty="0" smtClean="0"/>
+              <a:t>A conductor is an object or type of material that allows the flow of charge (electrical current) in one or more directions. Devices which perform an “Input” function are commonly called Sensors because they “sense” a physical change in some characteristic that changes in response to some excitation, for example heat or force and convert that into an electrical signal. Devices which perform an “Output” function are generally called Actuators and are used to control some external device, for example movement or sound.</a:t>
+            </a:r>
+          </a:p>
+          <a:p>
+            <a:endParaRPr lang="en-US" dirty="0" smtClean="0"/>
+          </a:p>
+          <a:p>
+            <a:r>
+              <a:rPr lang="en-US" dirty="0" smtClean="0"/>
+              <a:t>When you close the slide switch (sensor), current flows from the batteries through the lamp and back to the battery through the switch. The closed switch completes the circuit – this is called a closed circuit. When the slide switch is opened, the current can no longer flow back to the battery, so the lamp goes out – also called an open circuit.</a:t>
+            </a:r>
+            <a:endParaRPr lang="en-US" dirty="0"/>
+          </a:p>
+        </p:txBody>
+      </p:sp>
+      <p:sp>
+        <p:nvSpPr>
+          <p:cNvPr id="4" name="Slide Number Placeholder 3"/>
+          <p:cNvSpPr>
+            <a:spLocks noGrp="1"/>
+          </p:cNvSpPr>
+          <p:nvPr>
+            <p:ph type="sldNum" sz="quarter" idx="10"/>
+          </p:nvPr>
+        </p:nvSpPr>
+        <p:spPr/>
+        <p:txBody>
+          <a:bodyPr/>
+          <a:lstStyle/>
+          <a:p>
+            <a:fld id="{EF4EC9F9-25F7-462C-95D3-C01E5089002D}" type="slidenum">
+              <a:rPr lang="en-US" smtClean="0"/>
+              <a:t>1</a:t>
+            </a:fld>
+            <a:endParaRPr lang="en-US"/>
+          </a:p>
+        </p:txBody>
+      </p:sp>
+    </p:spTree>
+    <p:extLst>
+      <p:ext uri="{BB962C8B-B14F-4D97-AF65-F5344CB8AC3E}">
+        <p14:creationId xmlns:p14="http://schemas.microsoft.com/office/powerpoint/2010/main" val="3862512861"/>
+      </p:ext>
+    </p:extLst>
+  </p:cSld>
+  <p:clrMapOvr>
+    <a:masterClrMapping/>
+  </p:clrMapOvr>
+</p:notes>
+</file>
+
+<file path=ppt/notesSlides/notesSlide2.xml><?xml version="1.0" encoding="utf-8"?>
+<p:notes xmlns:a="http://schemas.openxmlformats.org/drawingml/2006/main" xmlns:r="http://schemas.openxmlformats.org/officeDocument/2006/relationships" xmlns:p="http://schemas.openxmlformats.org/presentationml/2006/main">
+  <p:cSld>
+    <p:spTree>
+      <p:nvGrpSpPr>
+        <p:cNvPr id="1" name=""/>
+        <p:cNvGrpSpPr/>
+        <p:nvPr/>
+      </p:nvGrpSpPr>
+      <p:grpSpPr>
+        <a:xfrm>
+          <a:off x="0" y="0"/>
+          <a:ext cx="0" cy="0"/>
+          <a:chOff x="0" y="0"/>
+          <a:chExt cx="0" cy="0"/>
+        </a:xfrm>
+      </p:grpSpPr>
+      <p:sp>
+        <p:nvSpPr>
+          <p:cNvPr id="2" name="Slide Image Placeholder 1"/>
+          <p:cNvSpPr>
+            <a:spLocks noGrp="1" noRot="1" noChangeAspect="1"/>
+          </p:cNvSpPr>
+          <p:nvPr>
+            <p:ph type="sldImg"/>
+          </p:nvPr>
+        </p:nvSpPr>
+        <p:spPr/>
+      </p:sp>
+      <p:sp>
+        <p:nvSpPr>
+          <p:cNvPr id="3" name="Notes Placeholder 2"/>
+          <p:cNvSpPr>
+            <a:spLocks noGrp="1"/>
+          </p:cNvSpPr>
+          <p:nvPr>
+            <p:ph type="body" idx="1"/>
+          </p:nvPr>
+        </p:nvSpPr>
+        <p:spPr/>
+        <p:txBody>
+          <a:bodyPr/>
+          <a:lstStyle/>
+          <a:p>
+            <a:r>
+              <a:rPr lang="en-US" dirty="0" smtClean="0"/>
+              <a:t>When you close the slide switch (S1), current flows from the batteries (B1) through the motor (M1) making it rotate. Place the fan blade on the motor shaft and close the slide switch. DC motors are used in all the battery powered equipment requiring rotary motion, such as drills, electric </a:t>
+            </a:r>
+            <a:r>
+              <a:rPr lang="en-US" dirty="0" err="1" smtClean="0"/>
+              <a:t>toolbrush</a:t>
+            </a:r>
+            <a:r>
+              <a:rPr lang="en-US" dirty="0" smtClean="0"/>
+              <a:t>, and toy trains that run on batteries.</a:t>
+            </a:r>
+            <a:endParaRPr lang="en-US" dirty="0"/>
+          </a:p>
+        </p:txBody>
+      </p:sp>
+      <p:sp>
+        <p:nvSpPr>
+          <p:cNvPr id="4" name="Slide Number Placeholder 3"/>
+          <p:cNvSpPr>
+            <a:spLocks noGrp="1"/>
+          </p:cNvSpPr>
+          <p:nvPr>
+            <p:ph type="sldNum" sz="quarter" idx="10"/>
+          </p:nvPr>
+        </p:nvSpPr>
+        <p:spPr/>
+        <p:txBody>
+          <a:bodyPr/>
+          <a:lstStyle/>
+          <a:p>
+            <a:fld id="{EF4EC9F9-25F7-462C-95D3-C01E5089002D}" type="slidenum">
+              <a:rPr lang="en-US" smtClean="0"/>
+              <a:t>2</a:t>
+            </a:fld>
+            <a:endParaRPr lang="en-US"/>
+          </a:p>
+        </p:txBody>
+      </p:sp>
+    </p:spTree>
+    <p:extLst>
+      <p:ext uri="{BB962C8B-B14F-4D97-AF65-F5344CB8AC3E}">
+        <p14:creationId xmlns:p14="http://schemas.microsoft.com/office/powerpoint/2010/main" val="3668441016"/>
+      </p:ext>
+    </p:extLst>
+  </p:cSld>
+  <p:clrMapOvr>
+    <a:masterClrMapping/>
+  </p:clrMapOvr>
+</p:notes>
+</file>
+
+<file path=ppt/notesSlides/notesSlide3.xml><?xml version="1.0" encoding="utf-8"?>
+<p:notes xmlns:a="http://schemas.openxmlformats.org/drawingml/2006/main" xmlns:r="http://schemas.openxmlformats.org/officeDocument/2006/relationships" xmlns:p="http://schemas.openxmlformats.org/presentationml/2006/main">
+  <p:cSld>
+    <p:spTree>
+      <p:nvGrpSpPr>
+        <p:cNvPr id="1" name=""/>
+        <p:cNvGrpSpPr/>
+        <p:nvPr/>
+      </p:nvGrpSpPr>
+      <p:grpSpPr>
+        <a:xfrm>
+          <a:off x="0" y="0"/>
+          <a:ext cx="0" cy="0"/>
+          <a:chOff x="0" y="0"/>
+          <a:chExt cx="0" cy="0"/>
+        </a:xfrm>
+      </p:grpSpPr>
+      <p:sp>
+        <p:nvSpPr>
+          <p:cNvPr id="2" name="Slide Image Placeholder 1"/>
+          <p:cNvSpPr>
+            <a:spLocks noGrp="1" noRot="1" noChangeAspect="1"/>
+          </p:cNvSpPr>
+          <p:nvPr>
+            <p:ph type="sldImg"/>
+          </p:nvPr>
+        </p:nvSpPr>
+        <p:spPr/>
+      </p:sp>
+      <p:sp>
+        <p:nvSpPr>
+          <p:cNvPr id="3" name="Notes Placeholder 2"/>
+          <p:cNvSpPr>
+            <a:spLocks noGrp="1"/>
+          </p:cNvSpPr>
+          <p:nvPr>
+            <p:ph type="body" idx="1"/>
+          </p:nvPr>
+        </p:nvSpPr>
+        <p:spPr/>
+        <p:txBody>
+          <a:bodyPr/>
+          <a:lstStyle/>
+          <a:p>
+            <a:r>
+              <a:rPr lang="en-US" dirty="0" smtClean="0"/>
+              <a:t>When you close the slide switch (S1), the circuit (U2) should start sounding an up-down siren. Switch the sound on and off quickly and see if you can create even different effects.</a:t>
+            </a:r>
+            <a:endParaRPr lang="en-US" dirty="0"/>
+          </a:p>
+        </p:txBody>
+      </p:sp>
+      <p:sp>
+        <p:nvSpPr>
+          <p:cNvPr id="4" name="Slide Number Placeholder 3"/>
+          <p:cNvSpPr>
+            <a:spLocks noGrp="1"/>
+          </p:cNvSpPr>
+          <p:nvPr>
+            <p:ph type="sldNum" sz="quarter" idx="10"/>
+          </p:nvPr>
+        </p:nvSpPr>
+        <p:spPr/>
+        <p:txBody>
+          <a:bodyPr/>
+          <a:lstStyle/>
+          <a:p>
+            <a:fld id="{EF4EC9F9-25F7-462C-95D3-C01E5089002D}" type="slidenum">
+              <a:rPr lang="en-US" smtClean="0"/>
+              <a:t>3</a:t>
+            </a:fld>
+            <a:endParaRPr lang="en-US"/>
+          </a:p>
+        </p:txBody>
+      </p:sp>
+    </p:spTree>
+    <p:extLst>
+      <p:ext uri="{BB962C8B-B14F-4D97-AF65-F5344CB8AC3E}">
+        <p14:creationId xmlns:p14="http://schemas.microsoft.com/office/powerpoint/2010/main" val="281596364"/>
+      </p:ext>
+    </p:extLst>
+  </p:cSld>
+  <p:clrMapOvr>
+    <a:masterClrMapping/>
+  </p:clrMapOvr>
+</p:notes>
+</file>
+
+<file path=ppt/notesSlides/notesSlide4.xml><?xml version="1.0" encoding="utf-8"?>
+<p:notes xmlns:a="http://schemas.openxmlformats.org/drawingml/2006/main" xmlns:r="http://schemas.openxmlformats.org/officeDocument/2006/relationships" xmlns:p="http://schemas.openxmlformats.org/presentationml/2006/main">
+  <p:cSld>
+    <p:spTree>
+      <p:nvGrpSpPr>
+        <p:cNvPr id="1" name=""/>
+        <p:cNvGrpSpPr/>
+        <p:nvPr/>
+      </p:nvGrpSpPr>
+      <p:grpSpPr>
+        <a:xfrm>
+          <a:off x="0" y="0"/>
+          <a:ext cx="0" cy="0"/>
+          <a:chOff x="0" y="0"/>
+          <a:chExt cx="0" cy="0"/>
+        </a:xfrm>
+      </p:grpSpPr>
+      <p:sp>
+        <p:nvSpPr>
+          <p:cNvPr id="2" name="Slide Image Placeholder 1"/>
+          <p:cNvSpPr>
+            <a:spLocks noGrp="1" noRot="1" noChangeAspect="1"/>
+          </p:cNvSpPr>
+          <p:nvPr>
+            <p:ph type="sldImg"/>
+          </p:nvPr>
+        </p:nvSpPr>
+        <p:spPr/>
+      </p:sp>
+      <p:sp>
+        <p:nvSpPr>
+          <p:cNvPr id="3" name="Notes Placeholder 2"/>
+          <p:cNvSpPr>
+            <a:spLocks noGrp="1"/>
+          </p:cNvSpPr>
+          <p:nvPr>
+            <p:ph type="body" idx="1"/>
+          </p:nvPr>
+        </p:nvSpPr>
+        <p:spPr/>
+        <p:txBody>
+          <a:bodyPr/>
+          <a:lstStyle/>
+          <a:p>
+            <a:r>
+              <a:rPr lang="en-US" dirty="0" smtClean="0"/>
+              <a:t>Try adding and replacing the different types of sensors. Clap your hands close to the whistle chip (WC) or tab the base with your finger. Press and hold the press switch (S2) several times. Move your hand over the </a:t>
+            </a:r>
+            <a:r>
+              <a:rPr lang="en-US" dirty="0" err="1" smtClean="0"/>
+              <a:t>photoresistor</a:t>
+            </a:r>
+            <a:r>
+              <a:rPr lang="en-US" dirty="0" smtClean="0"/>
+              <a:t> (RP) and wave it.</a:t>
+            </a:r>
+            <a:endParaRPr lang="en-US" dirty="0"/>
+          </a:p>
+        </p:txBody>
+      </p:sp>
+      <p:sp>
+        <p:nvSpPr>
+          <p:cNvPr id="4" name="Slide Number Placeholder 3"/>
+          <p:cNvSpPr>
+            <a:spLocks noGrp="1"/>
+          </p:cNvSpPr>
+          <p:nvPr>
+            <p:ph type="sldNum" sz="quarter" idx="10"/>
+          </p:nvPr>
+        </p:nvSpPr>
+        <p:spPr/>
+        <p:txBody>
+          <a:bodyPr/>
+          <a:lstStyle/>
+          <a:p>
+            <a:fld id="{EF4EC9F9-25F7-462C-95D3-C01E5089002D}" type="slidenum">
+              <a:rPr lang="en-US" smtClean="0"/>
+              <a:t>4</a:t>
+            </a:fld>
+            <a:endParaRPr lang="en-US"/>
+          </a:p>
+        </p:txBody>
+      </p:sp>
+    </p:spTree>
+    <p:extLst>
+      <p:ext uri="{BB962C8B-B14F-4D97-AF65-F5344CB8AC3E}">
+        <p14:creationId xmlns:p14="http://schemas.microsoft.com/office/powerpoint/2010/main" val="3502501791"/>
+      </p:ext>
+    </p:extLst>
+  </p:cSld>
+  <p:clrMapOvr>
+    <a:masterClrMapping/>
+  </p:clrMapOvr>
+</p:notes>
+</file>
+
+<file path=ppt/notesSlides/notesSlide5.xml><?xml version="1.0" encoding="utf-8"?>
+<p:notes xmlns:a="http://schemas.openxmlformats.org/drawingml/2006/main" xmlns:r="http://schemas.openxmlformats.org/officeDocument/2006/relationships" xmlns:p="http://schemas.openxmlformats.org/presentationml/2006/main">
+  <p:cSld>
+    <p:spTree>
+      <p:nvGrpSpPr>
+        <p:cNvPr id="1" name=""/>
+        <p:cNvGrpSpPr/>
+        <p:nvPr/>
+      </p:nvGrpSpPr>
+      <p:grpSpPr>
+        <a:xfrm>
+          <a:off x="0" y="0"/>
+          <a:ext cx="0" cy="0"/>
+          <a:chOff x="0" y="0"/>
+          <a:chExt cx="0" cy="0"/>
+        </a:xfrm>
+      </p:grpSpPr>
+      <p:sp>
+        <p:nvSpPr>
+          <p:cNvPr id="2" name="Slide Image Placeholder 1"/>
+          <p:cNvSpPr>
+            <a:spLocks noGrp="1" noRot="1" noChangeAspect="1"/>
+          </p:cNvSpPr>
+          <p:nvPr>
+            <p:ph type="sldImg"/>
+          </p:nvPr>
+        </p:nvSpPr>
+        <p:spPr/>
+      </p:sp>
+      <p:sp>
+        <p:nvSpPr>
+          <p:cNvPr id="3" name="Notes Placeholder 2"/>
+          <p:cNvSpPr>
+            <a:spLocks noGrp="1"/>
+          </p:cNvSpPr>
+          <p:nvPr>
+            <p:ph type="body" idx="1"/>
+          </p:nvPr>
+        </p:nvSpPr>
+        <p:spPr/>
+        <p:txBody>
+          <a:bodyPr/>
+          <a:lstStyle/>
+          <a:p>
+            <a:r>
+              <a:rPr lang="en-US" dirty="0" smtClean="0"/>
+              <a:t>Some materials can carry the flow of electricity better than others. Try a paper clip for example, see if it can close the circuit. When you place a metal paper clip across the terminals, current flows from the batteries (B1) through the alarm, and back to the battery. The paper clip completes the circuit and current flows through the alarm. Place your fingers across the terminals and the LED does not light. Your body has too high a resistance to allow enough current to flow to light the LED. </a:t>
+            </a:r>
+            <a:r>
+              <a:rPr lang="en-US" smtClean="0"/>
+              <a:t>If the voltage (electrical pressure) would be higher, then current could be pushed through your fingers and the LED would light. </a:t>
+            </a:r>
+            <a:endParaRPr lang="en-US" dirty="0"/>
+          </a:p>
+        </p:txBody>
+      </p:sp>
+      <p:sp>
+        <p:nvSpPr>
+          <p:cNvPr id="4" name="Slide Number Placeholder 3"/>
+          <p:cNvSpPr>
+            <a:spLocks noGrp="1"/>
+          </p:cNvSpPr>
+          <p:nvPr>
+            <p:ph type="sldNum" sz="quarter" idx="10"/>
+          </p:nvPr>
+        </p:nvSpPr>
+        <p:spPr/>
+        <p:txBody>
+          <a:bodyPr/>
+          <a:lstStyle/>
+          <a:p>
+            <a:fld id="{EF4EC9F9-25F7-462C-95D3-C01E5089002D}" type="slidenum">
+              <a:rPr lang="en-US" smtClean="0"/>
+              <a:t>5</a:t>
+            </a:fld>
+            <a:endParaRPr lang="en-US"/>
+          </a:p>
+        </p:txBody>
+      </p:sp>
+    </p:spTree>
+    <p:extLst>
+      <p:ext uri="{BB962C8B-B14F-4D97-AF65-F5344CB8AC3E}">
+        <p14:creationId xmlns:p14="http://schemas.microsoft.com/office/powerpoint/2010/main" val="1068306694"/>
+      </p:ext>
+    </p:extLst>
+  </p:cSld>
+  <p:clrMapOvr>
+    <a:masterClrMapping/>
+  </p:clrMapOvr>
+</p:notes>
 </file>
 
 <file path=ppt/slideLayouts/slideLayout1.xml><?xml version="1.0" encoding="utf-8"?>
@@ -238,7 +1086,7 @@
           <a:p>
             <a:fld id="{8160E1EC-BB5D-47EE-9555-9AE63E6611D9}" type="datetimeFigureOut">
               <a:rPr lang="en-US" smtClean="0"/>
-              <a:t>5/3/2019</a:t>
+              <a:t>5/8/2019</a:t>
             </a:fld>
             <a:endParaRPr lang="en-US"/>
           </a:p>
@@ -408,7 +1256,7 @@
           <a:p>
             <a:fld id="{8160E1EC-BB5D-47EE-9555-9AE63E6611D9}" type="datetimeFigureOut">
               <a:rPr lang="en-US" smtClean="0"/>
-              <a:t>5/3/2019</a:t>
+              <a:t>5/8/2019</a:t>
             </a:fld>
             <a:endParaRPr lang="en-US"/>
           </a:p>
@@ -588,7 +1436,7 @@
           <a:p>
             <a:fld id="{8160E1EC-BB5D-47EE-9555-9AE63E6611D9}" type="datetimeFigureOut">
               <a:rPr lang="en-US" smtClean="0"/>
-              <a:t>5/3/2019</a:t>
+              <a:t>5/8/2019</a:t>
             </a:fld>
             <a:endParaRPr lang="en-US"/>
           </a:p>
@@ -758,7 +1606,7 @@
           <a:p>
             <a:fld id="{8160E1EC-BB5D-47EE-9555-9AE63E6611D9}" type="datetimeFigureOut">
               <a:rPr lang="en-US" smtClean="0"/>
-              <a:t>5/3/2019</a:t>
+              <a:t>5/8/2019</a:t>
             </a:fld>
             <a:endParaRPr lang="en-US"/>
           </a:p>
@@ -1002,7 +1850,7 @@
           <a:p>
             <a:fld id="{8160E1EC-BB5D-47EE-9555-9AE63E6611D9}" type="datetimeFigureOut">
               <a:rPr lang="en-US" smtClean="0"/>
-              <a:t>5/3/2019</a:t>
+              <a:t>5/8/2019</a:t>
             </a:fld>
             <a:endParaRPr lang="en-US"/>
           </a:p>
@@ -1234,7 +2082,7 @@
           <a:p>
             <a:fld id="{8160E1EC-BB5D-47EE-9555-9AE63E6611D9}" type="datetimeFigureOut">
               <a:rPr lang="en-US" smtClean="0"/>
-              <a:t>5/3/2019</a:t>
+              <a:t>5/8/2019</a:t>
             </a:fld>
             <a:endParaRPr lang="en-US"/>
           </a:p>
@@ -1601,7 +2449,7 @@
           <a:p>
             <a:fld id="{8160E1EC-BB5D-47EE-9555-9AE63E6611D9}" type="datetimeFigureOut">
               <a:rPr lang="en-US" smtClean="0"/>
-              <a:t>5/3/2019</a:t>
+              <a:t>5/8/2019</a:t>
             </a:fld>
             <a:endParaRPr lang="en-US"/>
           </a:p>
@@ -1719,7 +2567,7 @@
           <a:p>
             <a:fld id="{8160E1EC-BB5D-47EE-9555-9AE63E6611D9}" type="datetimeFigureOut">
               <a:rPr lang="en-US" smtClean="0"/>
-              <a:t>5/3/2019</a:t>
+              <a:t>5/8/2019</a:t>
             </a:fld>
             <a:endParaRPr lang="en-US"/>
           </a:p>
@@ -1814,7 +2662,7 @@
           <a:p>
             <a:fld id="{8160E1EC-BB5D-47EE-9555-9AE63E6611D9}" type="datetimeFigureOut">
               <a:rPr lang="en-US" smtClean="0"/>
-              <a:t>5/3/2019</a:t>
+              <a:t>5/8/2019</a:t>
             </a:fld>
             <a:endParaRPr lang="en-US"/>
           </a:p>
@@ -2091,7 +2939,7 @@
           <a:p>
             <a:fld id="{8160E1EC-BB5D-47EE-9555-9AE63E6611D9}" type="datetimeFigureOut">
               <a:rPr lang="en-US" smtClean="0"/>
-              <a:t>5/3/2019</a:t>
+              <a:t>5/8/2019</a:t>
             </a:fld>
             <a:endParaRPr lang="en-US"/>
           </a:p>
@@ -2348,7 +3196,7 @@
           <a:p>
             <a:fld id="{8160E1EC-BB5D-47EE-9555-9AE63E6611D9}" type="datetimeFigureOut">
               <a:rPr lang="en-US" smtClean="0"/>
-              <a:t>5/3/2019</a:t>
+              <a:t>5/8/2019</a:t>
             </a:fld>
             <a:endParaRPr lang="en-US"/>
           </a:p>
@@ -2561,7 +3409,7 @@
           <a:p>
             <a:fld id="{8160E1EC-BB5D-47EE-9555-9AE63E6611D9}" type="datetimeFigureOut">
               <a:rPr lang="en-US" smtClean="0"/>
-              <a:t>5/3/2019</a:t>
+              <a:t>5/8/2019</a:t>
             </a:fld>
             <a:endParaRPr lang="en-US"/>
           </a:p>
@@ -2966,10 +3814,308 @@
           <a:chExt cx="0" cy="0"/>
         </a:xfrm>
       </p:grpSpPr>
+      <p:pic>
+        <p:nvPicPr>
+          <p:cNvPr id="2" name="Picture 1"/>
+          <p:cNvPicPr>
+            <a:picLocks noChangeAspect="1"/>
+          </p:cNvPicPr>
+          <p:nvPr/>
+        </p:nvPicPr>
+        <p:blipFill>
+          <a:blip r:embed="rId3">
+            <a:extLst>
+              <a:ext uri="{28A0092B-C50C-407E-A947-70E740481C1C}">
+                <a14:useLocalDpi xmlns:a14="http://schemas.microsoft.com/office/drawing/2010/main" val="0"/>
+              </a:ext>
+            </a:extLst>
+          </a:blip>
+          <a:stretch>
+            <a:fillRect/>
+          </a:stretch>
+        </p:blipFill>
+        <p:spPr>
+          <a:xfrm>
+            <a:off x="1142521" y="1647576"/>
+            <a:ext cx="6858957" cy="3562847"/>
+          </a:xfrm>
+          <a:prstGeom prst="rect">
+            <a:avLst/>
+          </a:prstGeom>
+        </p:spPr>
+      </p:pic>
     </p:spTree>
     <p:extLst>
       <p:ext uri="{BB962C8B-B14F-4D97-AF65-F5344CB8AC3E}">
         <p14:creationId xmlns:p14="http://schemas.microsoft.com/office/powerpoint/2010/main" val="3353522653"/>
+      </p:ext>
+    </p:extLst>
+  </p:cSld>
+  <p:clrMapOvr>
+    <a:masterClrMapping/>
+  </p:clrMapOvr>
+  <p:timing>
+    <p:tnLst>
+      <p:par>
+        <p:cTn id="1" dur="indefinite" restart="never" nodeType="tmRoot"/>
+      </p:par>
+    </p:tnLst>
+  </p:timing>
+</p:sld>
+</file>
+
+<file path=ppt/slides/slide2.xml><?xml version="1.0" encoding="utf-8"?>
+<p:sld xmlns:a="http://schemas.openxmlformats.org/drawingml/2006/main" xmlns:r="http://schemas.openxmlformats.org/officeDocument/2006/relationships" xmlns:p="http://schemas.openxmlformats.org/presentationml/2006/main">
+  <p:cSld>
+    <p:spTree>
+      <p:nvGrpSpPr>
+        <p:cNvPr id="1" name=""/>
+        <p:cNvGrpSpPr/>
+        <p:nvPr/>
+      </p:nvGrpSpPr>
+      <p:grpSpPr>
+        <a:xfrm>
+          <a:off x="0" y="0"/>
+          <a:ext cx="0" cy="0"/>
+          <a:chOff x="0" y="0"/>
+          <a:chExt cx="0" cy="0"/>
+        </a:xfrm>
+      </p:grpSpPr>
+      <p:pic>
+        <p:nvPicPr>
+          <p:cNvPr id="4" name="Picture 3"/>
+          <p:cNvPicPr>
+            <a:picLocks noChangeAspect="1"/>
+          </p:cNvPicPr>
+          <p:nvPr/>
+        </p:nvPicPr>
+        <p:blipFill>
+          <a:blip r:embed="rId3">
+            <a:extLst>
+              <a:ext uri="{28A0092B-C50C-407E-A947-70E740481C1C}">
+                <a14:useLocalDpi xmlns:a14="http://schemas.microsoft.com/office/drawing/2010/main" val="0"/>
+              </a:ext>
+            </a:extLst>
+          </a:blip>
+          <a:stretch>
+            <a:fillRect/>
+          </a:stretch>
+        </p:blipFill>
+        <p:spPr>
+          <a:xfrm>
+            <a:off x="1142521" y="1538023"/>
+            <a:ext cx="6858957" cy="3781953"/>
+          </a:xfrm>
+          <a:prstGeom prst="rect">
+            <a:avLst/>
+          </a:prstGeom>
+        </p:spPr>
+      </p:pic>
+    </p:spTree>
+    <p:extLst>
+      <p:ext uri="{BB962C8B-B14F-4D97-AF65-F5344CB8AC3E}">
+        <p14:creationId xmlns:p14="http://schemas.microsoft.com/office/powerpoint/2010/main" val="3465629518"/>
+      </p:ext>
+    </p:extLst>
+  </p:cSld>
+  <p:clrMapOvr>
+    <a:masterClrMapping/>
+  </p:clrMapOvr>
+  <p:timing>
+    <p:tnLst>
+      <p:par>
+        <p:cTn id="1" dur="indefinite" restart="never" nodeType="tmRoot"/>
+      </p:par>
+    </p:tnLst>
+  </p:timing>
+</p:sld>
+</file>
+
+<file path=ppt/slides/slide3.xml><?xml version="1.0" encoding="utf-8"?>
+<p:sld xmlns:a="http://schemas.openxmlformats.org/drawingml/2006/main" xmlns:r="http://schemas.openxmlformats.org/officeDocument/2006/relationships" xmlns:p="http://schemas.openxmlformats.org/presentationml/2006/main">
+  <p:cSld>
+    <p:spTree>
+      <p:nvGrpSpPr>
+        <p:cNvPr id="1" name=""/>
+        <p:cNvGrpSpPr/>
+        <p:nvPr/>
+      </p:nvGrpSpPr>
+      <p:grpSpPr>
+        <a:xfrm>
+          <a:off x="0" y="0"/>
+          <a:ext cx="0" cy="0"/>
+          <a:chOff x="0" y="0"/>
+          <a:chExt cx="0" cy="0"/>
+        </a:xfrm>
+      </p:grpSpPr>
+      <p:pic>
+        <p:nvPicPr>
+          <p:cNvPr id="4" name="Picture 3"/>
+          <p:cNvPicPr>
+            <a:picLocks noChangeAspect="1"/>
+          </p:cNvPicPr>
+          <p:nvPr/>
+        </p:nvPicPr>
+        <p:blipFill>
+          <a:blip r:embed="rId3">
+            <a:extLst>
+              <a:ext uri="{28A0092B-C50C-407E-A947-70E740481C1C}">
+                <a14:useLocalDpi xmlns:a14="http://schemas.microsoft.com/office/drawing/2010/main" val="0"/>
+              </a:ext>
+            </a:extLst>
+          </a:blip>
+          <a:stretch>
+            <a:fillRect/>
+          </a:stretch>
+        </p:blipFill>
+        <p:spPr>
+          <a:xfrm>
+            <a:off x="1637890" y="1647576"/>
+            <a:ext cx="5868219" cy="3562847"/>
+          </a:xfrm>
+          <a:prstGeom prst="rect">
+            <a:avLst/>
+          </a:prstGeom>
+        </p:spPr>
+      </p:pic>
+    </p:spTree>
+    <p:extLst>
+      <p:ext uri="{BB962C8B-B14F-4D97-AF65-F5344CB8AC3E}">
+        <p14:creationId xmlns:p14="http://schemas.microsoft.com/office/powerpoint/2010/main" val="1758725890"/>
+      </p:ext>
+    </p:extLst>
+  </p:cSld>
+  <p:clrMapOvr>
+    <a:masterClrMapping/>
+  </p:clrMapOvr>
+  <p:timing>
+    <p:tnLst>
+      <p:par>
+        <p:cTn id="1" dur="indefinite" restart="never" nodeType="tmRoot"/>
+      </p:par>
+    </p:tnLst>
+  </p:timing>
+</p:sld>
+</file>
+
+<file path=ppt/slides/slide4.xml><?xml version="1.0" encoding="utf-8"?>
+<p:sld xmlns:a="http://schemas.openxmlformats.org/drawingml/2006/main" xmlns:r="http://schemas.openxmlformats.org/officeDocument/2006/relationships" xmlns:p="http://schemas.openxmlformats.org/presentationml/2006/main">
+  <p:cSld>
+    <p:spTree>
+      <p:nvGrpSpPr>
+        <p:cNvPr id="1" name=""/>
+        <p:cNvGrpSpPr/>
+        <p:nvPr/>
+      </p:nvGrpSpPr>
+      <p:grpSpPr>
+        <a:xfrm>
+          <a:off x="0" y="0"/>
+          <a:ext cx="0" cy="0"/>
+          <a:chOff x="0" y="0"/>
+          <a:chExt cx="0" cy="0"/>
+        </a:xfrm>
+      </p:grpSpPr>
+      <p:pic>
+        <p:nvPicPr>
+          <p:cNvPr id="4" name="Picture 3"/>
+          <p:cNvPicPr>
+            <a:picLocks noChangeAspect="1"/>
+          </p:cNvPicPr>
+          <p:nvPr/>
+        </p:nvPicPr>
+        <p:blipFill>
+          <a:blip r:embed="rId3">
+            <a:extLst>
+              <a:ext uri="{28A0092B-C50C-407E-A947-70E740481C1C}">
+                <a14:useLocalDpi xmlns:a14="http://schemas.microsoft.com/office/drawing/2010/main" val="0"/>
+              </a:ext>
+            </a:extLst>
+          </a:blip>
+          <a:stretch>
+            <a:fillRect/>
+          </a:stretch>
+        </p:blipFill>
+        <p:spPr>
+          <a:xfrm>
+            <a:off x="180362" y="1471339"/>
+            <a:ext cx="8783276" cy="3915321"/>
+          </a:xfrm>
+          <a:prstGeom prst="rect">
+            <a:avLst/>
+          </a:prstGeom>
+        </p:spPr>
+      </p:pic>
+    </p:spTree>
+    <p:extLst>
+      <p:ext uri="{BB962C8B-B14F-4D97-AF65-F5344CB8AC3E}">
+        <p14:creationId xmlns:p14="http://schemas.microsoft.com/office/powerpoint/2010/main" val="3591759595"/>
+      </p:ext>
+    </p:extLst>
+  </p:cSld>
+  <p:clrMapOvr>
+    <a:masterClrMapping/>
+  </p:clrMapOvr>
+  <p:timing>
+    <p:tnLst>
+      <p:par>
+        <p:cTn id="1" dur="indefinite" restart="never" nodeType="tmRoot"/>
+      </p:par>
+    </p:tnLst>
+  </p:timing>
+</p:sld>
+</file>
+
+<file path=ppt/slides/slide5.xml><?xml version="1.0" encoding="utf-8"?>
+<p:sld xmlns:a="http://schemas.openxmlformats.org/drawingml/2006/main" xmlns:r="http://schemas.openxmlformats.org/officeDocument/2006/relationships" xmlns:p="http://schemas.openxmlformats.org/presentationml/2006/main">
+  <p:cSld>
+    <p:spTree>
+      <p:nvGrpSpPr>
+        <p:cNvPr id="1" name=""/>
+        <p:cNvGrpSpPr/>
+        <p:nvPr/>
+      </p:nvGrpSpPr>
+      <p:grpSpPr>
+        <a:xfrm>
+          <a:off x="0" y="0"/>
+          <a:ext cx="0" cy="0"/>
+          <a:chOff x="0" y="0"/>
+          <a:chExt cx="0" cy="0"/>
+        </a:xfrm>
+      </p:grpSpPr>
+      <p:pic>
+        <p:nvPicPr>
+          <p:cNvPr id="4" name="Picture 3"/>
+          <p:cNvPicPr>
+            <a:picLocks noChangeAspect="1"/>
+          </p:cNvPicPr>
+          <p:nvPr/>
+        </p:nvPicPr>
+        <p:blipFill>
+          <a:blip r:embed="rId3">
+            <a:extLst>
+              <a:ext uri="{28A0092B-C50C-407E-A947-70E740481C1C}">
+                <a14:useLocalDpi xmlns:a14="http://schemas.microsoft.com/office/drawing/2010/main" val="0"/>
+              </a:ext>
+            </a:extLst>
+          </a:blip>
+          <a:stretch>
+            <a:fillRect/>
+          </a:stretch>
+        </p:blipFill>
+        <p:spPr>
+          <a:xfrm>
+            <a:off x="1242548" y="1418944"/>
+            <a:ext cx="6658904" cy="4020111"/>
+          </a:xfrm>
+          <a:prstGeom prst="rect">
+            <a:avLst/>
+          </a:prstGeom>
+        </p:spPr>
+      </p:pic>
+    </p:spTree>
+    <p:extLst>
+      <p:ext uri="{BB962C8B-B14F-4D97-AF65-F5344CB8AC3E}">
+        <p14:creationId xmlns:p14="http://schemas.microsoft.com/office/powerpoint/2010/main" val="211239535"/>
       </p:ext>
     </p:extLst>
   </p:cSld>
@@ -3245,4 +4391,265 @@
     </a:ext>
   </a:extLst>
 </a:theme>
+</file>
+
+<file path=ppt/theme/theme2.xml><?xml version="1.0" encoding="utf-8"?>
+<a:theme xmlns:a="http://schemas.openxmlformats.org/drawingml/2006/main" name="Office Theme">
+  <a:themeElements>
+    <a:clrScheme name="Office">
+      <a:dk1>
+        <a:sysClr val="windowText" lastClr="000000"/>
+      </a:dk1>
+      <a:lt1>
+        <a:sysClr val="window" lastClr="FFFFFF"/>
+      </a:lt1>
+      <a:dk2>
+        <a:srgbClr val="44546A"/>
+      </a:dk2>
+      <a:lt2>
+        <a:srgbClr val="E7E6E6"/>
+      </a:lt2>
+      <a:accent1>
+        <a:srgbClr val="5B9BD5"/>
+      </a:accent1>
+      <a:accent2>
+        <a:srgbClr val="ED7D31"/>
+      </a:accent2>
+      <a:accent3>
+        <a:srgbClr val="A5A5A5"/>
+      </a:accent3>
+      <a:accent4>
+        <a:srgbClr val="FFC000"/>
+      </a:accent4>
+      <a:accent5>
+        <a:srgbClr val="4472C4"/>
+      </a:accent5>
+      <a:accent6>
+        <a:srgbClr val="70AD47"/>
+      </a:accent6>
+      <a:hlink>
+        <a:srgbClr val="0563C1"/>
+      </a:hlink>
+      <a:folHlink>
+        <a:srgbClr val="954F72"/>
+      </a:folHlink>
+    </a:clrScheme>
+    <a:fontScheme name="Office">
+      <a:majorFont>
+        <a:latin typeface="Calibri Light" panose="020F0302020204030204"/>
+        <a:ea typeface=""/>
+        <a:cs typeface=""/>
+        <a:font script="Jpan" typeface="游ゴシック Light"/>
+        <a:font script="Hang" typeface="맑은 고딕"/>
+        <a:font script="Hans" typeface="等线 Light"/>
+        <a:font script="Hant" typeface="新細明體"/>
+        <a:font script="Arab" typeface="Times New Roman"/>
+        <a:font script="Hebr" typeface="Times New Roman"/>
+        <a:font script="Thai" typeface="Angsana New"/>
+        <a:font script="Ethi" typeface="Nyala"/>
+        <a:font script="Beng" typeface="Vrinda"/>
+        <a:font script="Gujr" typeface="Shruti"/>
+        <a:font script="Khmr" typeface="MoolBoran"/>
+        <a:font script="Knda" typeface="Tunga"/>
+        <a:font script="Guru" typeface="Raavi"/>
+        <a:font script="Cans" typeface="Euphemia"/>
+        <a:font script="Cher" typeface="Plantagenet Cherokee"/>
+        <a:font script="Yiii" typeface="Microsoft Yi Baiti"/>
+        <a:font script="Tibt" typeface="Microsoft Himalaya"/>
+        <a:font script="Thaa" typeface="MV Boli"/>
+        <a:font script="Deva" typeface="Mangal"/>
+        <a:font script="Telu" typeface="Gautami"/>
+        <a:font script="Taml" typeface="Latha"/>
+        <a:font script="Syrc" typeface="Estrangelo Edessa"/>
+        <a:font script="Orya" typeface="Kalinga"/>
+        <a:font script="Mlym" typeface="Kartika"/>
+        <a:font script="Laoo" typeface="DokChampa"/>
+        <a:font script="Sinh" typeface="Iskoola Pota"/>
+        <a:font script="Mong" typeface="Mongolian Baiti"/>
+        <a:font script="Viet" typeface="Times New Roman"/>
+        <a:font script="Uigh" typeface="Microsoft Uighur"/>
+        <a:font script="Geor" typeface="Sylfaen"/>
+      </a:majorFont>
+      <a:minorFont>
+        <a:latin typeface="Calibri" panose="020F0502020204030204"/>
+        <a:ea typeface=""/>
+        <a:cs typeface=""/>
+        <a:font script="Jpan" typeface="游ゴシック"/>
+        <a:font script="Hang" typeface="맑은 고딕"/>
+        <a:font script="Hans" typeface="等线"/>
+        <a:font script="Hant" typeface="新細明體"/>
+        <a:font script="Arab" typeface="Arial"/>
+        <a:font script="Hebr" typeface="Arial"/>
+        <a:font script="Thai" typeface="Cordia New"/>
+        <a:font script="Ethi" typeface="Nyala"/>
+        <a:font script="Beng" typeface="Vrinda"/>
+        <a:font script="Gujr" typeface="Shruti"/>
+        <a:font script="Khmr" typeface="DaunPenh"/>
+        <a:font script="Knda" typeface="Tunga"/>
+        <a:font script="Guru" typeface="Raavi"/>
+        <a:font script="Cans" typeface="Euphemia"/>
+        <a:font script="Cher" typeface="Plantagenet Cherokee"/>
+        <a:font script="Yiii" typeface="Microsoft Yi Baiti"/>
+        <a:font script="Tibt" typeface="Microsoft Himalaya"/>
+        <a:font script="Thaa" typeface="MV Boli"/>
+        <a:font script="Deva" typeface="Mangal"/>
+        <a:font script="Telu" typeface="Gautami"/>
+        <a:font script="Taml" typeface="Latha"/>
+        <a:font script="Syrc" typeface="Estrangelo Edessa"/>
+        <a:font script="Orya" typeface="Kalinga"/>
+        <a:font script="Mlym" typeface="Kartika"/>
+        <a:font script="Laoo" typeface="DokChampa"/>
+        <a:font script="Sinh" typeface="Iskoola Pota"/>
+        <a:font script="Mong" typeface="Mongolian Baiti"/>
+        <a:font script="Viet" typeface="Arial"/>
+        <a:font script="Uigh" typeface="Microsoft Uighur"/>
+        <a:font script="Geor" typeface="Sylfaen"/>
+      </a:minorFont>
+    </a:fontScheme>
+    <a:fmtScheme name="Office">
+      <a:fillStyleLst>
+        <a:solidFill>
+          <a:schemeClr val="phClr"/>
+        </a:solidFill>
+        <a:gradFill rotWithShape="1">
+          <a:gsLst>
+            <a:gs pos="0">
+              <a:schemeClr val="phClr">
+                <a:lumMod val="110000"/>
+                <a:satMod val="105000"/>
+                <a:tint val="67000"/>
+              </a:schemeClr>
+            </a:gs>
+            <a:gs pos="50000">
+              <a:schemeClr val="phClr">
+                <a:lumMod val="105000"/>
+                <a:satMod val="103000"/>
+                <a:tint val="73000"/>
+              </a:schemeClr>
+            </a:gs>
+            <a:gs pos="100000">
+              <a:schemeClr val="phClr">
+                <a:lumMod val="105000"/>
+                <a:satMod val="109000"/>
+                <a:tint val="81000"/>
+              </a:schemeClr>
+            </a:gs>
+          </a:gsLst>
+          <a:lin ang="5400000" scaled="0"/>
+        </a:gradFill>
+        <a:gradFill rotWithShape="1">
+          <a:gsLst>
+            <a:gs pos="0">
+              <a:schemeClr val="phClr">
+                <a:satMod val="103000"/>
+                <a:lumMod val="102000"/>
+                <a:tint val="94000"/>
+              </a:schemeClr>
+            </a:gs>
+            <a:gs pos="50000">
+              <a:schemeClr val="phClr">
+                <a:satMod val="110000"/>
+                <a:lumMod val="100000"/>
+                <a:shade val="100000"/>
+              </a:schemeClr>
+            </a:gs>
+            <a:gs pos="100000">
+              <a:schemeClr val="phClr">
+                <a:lumMod val="99000"/>
+                <a:satMod val="120000"/>
+                <a:shade val="78000"/>
+              </a:schemeClr>
+            </a:gs>
+          </a:gsLst>
+          <a:lin ang="5400000" scaled="0"/>
+        </a:gradFill>
+      </a:fillStyleLst>
+      <a:lnStyleLst>
+        <a:ln w="6350" cap="flat" cmpd="sng" algn="ctr">
+          <a:solidFill>
+            <a:schemeClr val="phClr"/>
+          </a:solidFill>
+          <a:prstDash val="solid"/>
+          <a:miter lim="800000"/>
+        </a:ln>
+        <a:ln w="12700" cap="flat" cmpd="sng" algn="ctr">
+          <a:solidFill>
+            <a:schemeClr val="phClr"/>
+          </a:solidFill>
+          <a:prstDash val="solid"/>
+          <a:miter lim="800000"/>
+        </a:ln>
+        <a:ln w="19050" cap="flat" cmpd="sng" algn="ctr">
+          <a:solidFill>
+            <a:schemeClr val="phClr"/>
+          </a:solidFill>
+          <a:prstDash val="solid"/>
+          <a:miter lim="800000"/>
+        </a:ln>
+      </a:lnStyleLst>
+      <a:effectStyleLst>
+        <a:effectStyle>
+          <a:effectLst/>
+        </a:effectStyle>
+        <a:effectStyle>
+          <a:effectLst/>
+        </a:effectStyle>
+        <a:effectStyle>
+          <a:effectLst>
+            <a:outerShdw blurRad="57150" dist="19050" dir="5400000" algn="ctr" rotWithShape="0">
+              <a:srgbClr val="000000">
+                <a:alpha val="63000"/>
+              </a:srgbClr>
+            </a:outerShdw>
+          </a:effectLst>
+        </a:effectStyle>
+      </a:effectStyleLst>
+      <a:bgFillStyleLst>
+        <a:solidFill>
+          <a:schemeClr val="phClr"/>
+        </a:solidFill>
+        <a:solidFill>
+          <a:schemeClr val="phClr">
+            <a:tint val="95000"/>
+            <a:satMod val="170000"/>
+          </a:schemeClr>
+        </a:solidFill>
+        <a:gradFill rotWithShape="1">
+          <a:gsLst>
+            <a:gs pos="0">
+              <a:schemeClr val="phClr">
+                <a:tint val="93000"/>
+                <a:satMod val="150000"/>
+                <a:shade val="98000"/>
+                <a:lumMod val="102000"/>
+              </a:schemeClr>
+            </a:gs>
+            <a:gs pos="50000">
+              <a:schemeClr val="phClr">
+                <a:tint val="98000"/>
+                <a:satMod val="130000"/>
+                <a:shade val="90000"/>
+                <a:lumMod val="103000"/>
+              </a:schemeClr>
+            </a:gs>
+            <a:gs pos="100000">
+              <a:schemeClr val="phClr">
+                <a:shade val="63000"/>
+                <a:satMod val="120000"/>
+              </a:schemeClr>
+            </a:gs>
+          </a:gsLst>
+          <a:lin ang="5400000" scaled="0"/>
+        </a:gradFill>
+      </a:bgFillStyleLst>
+    </a:fmtScheme>
+  </a:themeElements>
+  <a:objectDefaults/>
+  <a:extraClrSchemeLst/>
+  <a:extLst>
+    <a:ext uri="{05A4C25C-085E-4340-85A3-A5531E510DB2}">
+      <thm15:themeFamily xmlns:thm15="http://schemas.microsoft.com/office/thememl/2012/main" name="Office Theme" id="{62F939B6-93AF-4DB8-9C6B-D6C7DFDC589F}" vid="{4A3C46E8-61CC-4603-A589-7422A47A8E4A}"/>
+    </a:ext>
+  </a:extLst>
+</a:theme>
 </file>